--- a/project_1/scripts/BIOS611_Project1_slides.pptx
+++ b/project_1/scripts/BIOS611_Project1_slides.pptx
@@ -114,6 +114,11 @@
       </a:defRPr>
     </a:lvl9pPr>
   </p:defaultTextStyle>
+  <p:extLst>
+    <p:ext uri="{EFAFB233-063F-42B5-8137-9DF3F51BA10A}">
+      <p15:sldGuideLst xmlns:p15="http://schemas.microsoft.com/office/powerpoint/2012/main"/>
+    </p:ext>
+  </p:extLst>
 </p:presentation>
 </file>
 
@@ -347,7 +352,7 @@
             <a:fld id="{B61BEF0D-F0BB-DE4B-95CE-6DB70DBA9567}" type="datetimeFigureOut">
               <a:rPr lang="en-US" dirty="0"/>
               <a:pPr/>
-              <a:t>10/6/19</a:t>
+              <a:t>10/7/19</a:t>
             </a:fld>
             <a:endParaRPr lang="en-US" dirty="0"/>
           </a:p>
@@ -678,7 +683,7 @@
             <a:fld id="{B61BEF0D-F0BB-DE4B-95CE-6DB70DBA9567}" type="datetimeFigureOut">
               <a:rPr lang="en-US" dirty="0"/>
               <a:pPr/>
-              <a:t>10/6/19</a:t>
+              <a:t>10/7/19</a:t>
             </a:fld>
             <a:endParaRPr lang="en-US" dirty="0"/>
           </a:p>
@@ -953,7 +958,7 @@
             <a:fld id="{B61BEF0D-F0BB-DE4B-95CE-6DB70DBA9567}" type="datetimeFigureOut">
               <a:rPr lang="en-US" dirty="0"/>
               <a:pPr/>
-              <a:t>10/6/19</a:t>
+              <a:t>10/7/19</a:t>
             </a:fld>
             <a:endParaRPr lang="en-US" dirty="0"/>
           </a:p>
@@ -1518,7 +1523,7 @@
             <a:fld id="{B61BEF0D-F0BB-DE4B-95CE-6DB70DBA9567}" type="datetimeFigureOut">
               <a:rPr lang="en-US" dirty="0"/>
               <a:pPr/>
-              <a:t>10/6/19</a:t>
+              <a:t>10/7/19</a:t>
             </a:fld>
             <a:endParaRPr lang="en-US" dirty="0"/>
           </a:p>
@@ -1793,7 +1798,7 @@
             <a:fld id="{B61BEF0D-F0BB-DE4B-95CE-6DB70DBA9567}" type="datetimeFigureOut">
               <a:rPr lang="en-US" dirty="0"/>
               <a:pPr/>
-              <a:t>10/6/19</a:t>
+              <a:t>10/7/19</a:t>
             </a:fld>
             <a:endParaRPr lang="en-US" dirty="0"/>
           </a:p>
@@ -2352,7 +2357,7 @@
             <a:fld id="{B61BEF0D-F0BB-DE4B-95CE-6DB70DBA9567}" type="datetimeFigureOut">
               <a:rPr lang="en-US" dirty="0"/>
               <a:pPr/>
-              <a:t>10/6/19</a:t>
+              <a:t>10/7/19</a:t>
             </a:fld>
             <a:endParaRPr lang="en-US" dirty="0"/>
           </a:p>
@@ -2676,7 +2681,7 @@
             <a:fld id="{B61BEF0D-F0BB-DE4B-95CE-6DB70DBA9567}" type="datetimeFigureOut">
               <a:rPr lang="en-US" dirty="0"/>
               <a:pPr/>
-              <a:t>10/6/19</a:t>
+              <a:t>10/7/19</a:t>
             </a:fld>
             <a:endParaRPr lang="en-US" dirty="0"/>
           </a:p>
@@ -2850,7 +2855,7 @@
             <a:fld id="{B61BEF0D-F0BB-DE4B-95CE-6DB70DBA9567}" type="datetimeFigureOut">
               <a:rPr lang="en-US" dirty="0"/>
               <a:pPr/>
-              <a:t>10/6/19</a:t>
+              <a:t>10/7/19</a:t>
             </a:fld>
             <a:endParaRPr lang="en-US" dirty="0"/>
           </a:p>
@@ -3085,7 +3090,7 @@
             <a:fld id="{B61BEF0D-F0BB-DE4B-95CE-6DB70DBA9567}" type="datetimeFigureOut">
               <a:rPr lang="en-US" dirty="0"/>
               <a:pPr/>
-              <a:t>10/6/19</a:t>
+              <a:t>10/7/19</a:t>
             </a:fld>
             <a:endParaRPr lang="en-US" dirty="0"/>
           </a:p>
@@ -3282,7 +3287,7 @@
             <a:fld id="{B61BEF0D-F0BB-DE4B-95CE-6DB70DBA9567}" type="datetimeFigureOut">
               <a:rPr lang="en-US" dirty="0"/>
               <a:pPr/>
-              <a:t>10/6/19</a:t>
+              <a:t>10/7/19</a:t>
             </a:fld>
             <a:endParaRPr lang="en-US" dirty="0"/>
           </a:p>
@@ -3555,7 +3560,7 @@
             <a:fld id="{B61BEF0D-F0BB-DE4B-95CE-6DB70DBA9567}" type="datetimeFigureOut">
               <a:rPr lang="en-US" dirty="0"/>
               <a:pPr/>
-              <a:t>10/6/19</a:t>
+              <a:t>10/7/19</a:t>
             </a:fld>
             <a:endParaRPr lang="en-US" dirty="0"/>
           </a:p>
@@ -3818,7 +3823,7 @@
             <a:fld id="{B61BEF0D-F0BB-DE4B-95CE-6DB70DBA9567}" type="datetimeFigureOut">
               <a:rPr lang="en-US" dirty="0"/>
               <a:pPr/>
-              <a:t>10/6/19</a:t>
+              <a:t>10/7/19</a:t>
             </a:fld>
             <a:endParaRPr lang="en-US" dirty="0"/>
           </a:p>
@@ -4189,7 +4194,7 @@
             <a:fld id="{B61BEF0D-F0BB-DE4B-95CE-6DB70DBA9567}" type="datetimeFigureOut">
               <a:rPr lang="en-US" dirty="0"/>
               <a:pPr/>
-              <a:t>10/6/19</a:t>
+              <a:t>10/7/19</a:t>
             </a:fld>
             <a:endParaRPr lang="en-US" dirty="0"/>
           </a:p>
@@ -4334,7 +4339,7 @@
             <a:fld id="{B61BEF0D-F0BB-DE4B-95CE-6DB70DBA9567}" type="datetimeFigureOut">
               <a:rPr lang="en-US" dirty="0"/>
               <a:pPr/>
-              <a:t>10/6/19</a:t>
+              <a:t>10/7/19</a:t>
             </a:fld>
             <a:endParaRPr lang="en-US" dirty="0"/>
           </a:p>
@@ -4456,7 +4461,7 @@
             <a:fld id="{B61BEF0D-F0BB-DE4B-95CE-6DB70DBA9567}" type="datetimeFigureOut">
               <a:rPr lang="en-US" dirty="0"/>
               <a:pPr/>
-              <a:t>10/6/19</a:t>
+              <a:t>10/7/19</a:t>
             </a:fld>
             <a:endParaRPr lang="en-US" dirty="0"/>
           </a:p>
@@ -4738,7 +4743,7 @@
             <a:fld id="{B61BEF0D-F0BB-DE4B-95CE-6DB70DBA9567}" type="datetimeFigureOut">
               <a:rPr lang="en-US" dirty="0"/>
               <a:pPr/>
-              <a:t>10/6/19</a:t>
+              <a:t>10/7/19</a:t>
             </a:fld>
             <a:endParaRPr lang="en-US" dirty="0"/>
           </a:p>
@@ -5059,7 +5064,7 @@
             <a:fld id="{B61BEF0D-F0BB-DE4B-95CE-6DB70DBA9567}" type="datetimeFigureOut">
               <a:rPr lang="en-US" dirty="0"/>
               <a:pPr/>
-              <a:t>10/6/19</a:t>
+              <a:t>10/7/19</a:t>
             </a:fld>
             <a:endParaRPr lang="en-US" dirty="0"/>
           </a:p>
@@ -5270,7 +5275,7 @@
             <a:fld id="{B61BEF0D-F0BB-DE4B-95CE-6DB70DBA9567}" type="datetimeFigureOut">
               <a:rPr lang="en-US" dirty="0"/>
               <a:pPr/>
-              <a:t>10/6/19</a:t>
+              <a:t>10/7/19</a:t>
             </a:fld>
             <a:endParaRPr lang="en-US" dirty="0"/>
           </a:p>
@@ -5833,13 +5838,13 @@
           <a:lstStyle/>
           <a:p>
             <a:r>
-              <a:rPr lang="en-US" sz="2500" dirty="0"/>
+              <a:rPr lang="en-US" sz="3000" dirty="0"/>
               <a:t>Christina Zhou</a:t>
             </a:r>
           </a:p>
           <a:p>
             <a:r>
-              <a:rPr lang="en-US" sz="2500" dirty="0"/>
+              <a:rPr lang="en-US" sz="3000" dirty="0"/>
               <a:t>10/7/2019</a:t>
             </a:r>
           </a:p>
@@ -6248,7 +6253,12 @@
             <p:ph idx="1"/>
           </p:nvPr>
         </p:nvSpPr>
-        <p:spPr/>
+        <p:spPr>
+          <a:xfrm>
+            <a:off x="685801" y="2142067"/>
+            <a:ext cx="10490199" cy="3649133"/>
+          </a:xfrm>
+        </p:spPr>
         <p:txBody>
           <a:bodyPr>
             <a:normAutofit/>
@@ -6476,7 +6486,7 @@
         </p:nvSpPr>
         <p:spPr>
           <a:xfrm>
-            <a:off x="685801" y="1642188"/>
+            <a:off x="673101" y="1781888"/>
             <a:ext cx="11052109" cy="4963885"/>
           </a:xfrm>
         </p:spPr>
@@ -6487,80 +6497,88 @@
           <a:lstStyle/>
           <a:p>
             <a:r>
-              <a:rPr lang="en-US" dirty="0"/>
+              <a:rPr lang="en-US" sz="2000" dirty="0"/>
               <a:t>Only keep dates from Jan 1, 2001 to Dec 31, 2018</a:t>
             </a:r>
           </a:p>
           <a:p>
             <a:r>
-              <a:rPr lang="en-US" dirty="0"/>
+              <a:rPr lang="en-US" sz="2000" dirty="0"/>
               <a:t>DEFINE: family household if the number of people the food given that visit was provided for more than 1 person, and single household otherwise</a:t>
             </a:r>
           </a:p>
           <a:p>
             <a:r>
-              <a:rPr lang="en-US" dirty="0"/>
+              <a:rPr lang="en-US" sz="2000" dirty="0"/>
               <a:t>Complete case analysis for those without missing variables </a:t>
             </a:r>
             <a:r>
-              <a:rPr lang="en-US" dirty="0" err="1"/>
+              <a:rPr lang="en-US" sz="2000" dirty="0" err="1"/>
               <a:t>Food.Provided.for</a:t>
             </a:r>
             <a:r>
-              <a:rPr lang="en-US" dirty="0"/>
+              <a:rPr lang="en-US" sz="2000" dirty="0"/>
               <a:t> (defined as number of people the food given that visit was provided for) and </a:t>
             </a:r>
             <a:r>
-              <a:rPr lang="en-US" dirty="0" err="1"/>
+              <a:rPr lang="en-US" sz="2000" dirty="0" err="1"/>
               <a:t>Food.Pounds</a:t>
             </a:r>
             <a:r>
-              <a:rPr lang="en-US" dirty="0"/>
+              <a:rPr lang="en-US" sz="2000" dirty="0"/>
               <a:t> (defined as the number of pounds given for that visit) variables</a:t>
             </a:r>
           </a:p>
           <a:p>
             <a:r>
-              <a:rPr lang="en-US" dirty="0"/>
+              <a:rPr lang="en-US" sz="2000" dirty="0"/>
               <a:t>Further subset by only keeping observations with the same number of family members for every visit</a:t>
             </a:r>
           </a:p>
           <a:p>
             <a:pPr lvl="1"/>
             <a:r>
-              <a:rPr lang="en-US" sz="1800" dirty="0"/>
+              <a:rPr lang="en-US" sz="2000" dirty="0"/>
               <a:t>Consistency of household definition</a:t>
             </a:r>
           </a:p>
           <a:p>
             <a:r>
-              <a:rPr lang="en-US" dirty="0"/>
+              <a:rPr lang="en-US" sz="2000" dirty="0"/>
               <a:t>Remove observations who do not take food from UMD (given our questions of interest for this analysis)</a:t>
             </a:r>
           </a:p>
           <a:p>
             <a:r>
-              <a:rPr lang="en-US" dirty="0"/>
+              <a:rPr lang="en-US" sz="2000" dirty="0"/>
               <a:t>Remove outliers regarding family members and average pounds of food per day per household</a:t>
             </a:r>
           </a:p>
           <a:p>
             <a:r>
-              <a:rPr lang="en-US" dirty="0"/>
-              <a:t>Final analysis population: 7191 households: 3405 single households and 3786 family households</a:t>
-            </a:r>
-          </a:p>
-          <a:p>
-            <a:r>
-              <a:rPr lang="en-US" dirty="0"/>
+              <a:rPr lang="en-US" sz="2000" dirty="0"/>
+              <a:t>Final analysis population: </a:t>
+            </a:r>
+            <a:r>
+              <a:rPr lang="en-US" sz="2000" b="1" dirty="0"/>
+              <a:t>7191</a:t>
+            </a:r>
+            <a:r>
+              <a:rPr lang="en-US" sz="2000" dirty="0"/>
+              <a:t> households: 3405 single households and 3786 family households</a:t>
+            </a:r>
+          </a:p>
+          <a:p>
+            <a:r>
+              <a:rPr lang="en-US" sz="2000" dirty="0"/>
               <a:t>See Project 1 report on </a:t>
             </a:r>
             <a:r>
-              <a:rPr lang="en-US" dirty="0" err="1"/>
+              <a:rPr lang="en-US" sz="2000" dirty="0" err="1"/>
               <a:t>Github</a:t>
             </a:r>
             <a:r>
-              <a:rPr lang="en-US" dirty="0"/>
+              <a:rPr lang="en-US" sz="2000" dirty="0"/>
               <a:t> for more descriptive details on data cleaning</a:t>
             </a:r>
           </a:p>
@@ -6623,8 +6641,8 @@
         </p:nvSpPr>
         <p:spPr>
           <a:xfrm>
-            <a:off x="185980" y="808055"/>
-            <a:ext cx="4850969" cy="1453363"/>
+            <a:off x="0" y="769955"/>
+            <a:ext cx="5708851" cy="1453363"/>
           </a:xfrm>
         </p:spPr>
         <p:txBody>
@@ -6659,8 +6677,8 @@
         </p:nvSpPr>
         <p:spPr>
           <a:xfrm>
-            <a:off x="185980" y="2013447"/>
-            <a:ext cx="5103772" cy="4596580"/>
+            <a:off x="0" y="1866900"/>
+            <a:ext cx="5708851" cy="4628827"/>
           </a:xfrm>
         </p:spPr>
         <p:txBody>
@@ -6670,31 +6688,31 @@
           <a:lstStyle/>
           <a:p>
             <a:r>
-              <a:rPr lang="en-US" dirty="0"/>
+              <a:rPr lang="en-US" sz="2000" dirty="0"/>
               <a:t>Boxplots comparing the average number of pounds of food taken from the UMD food pantry per day between household types (single-member households vs. family households)</a:t>
             </a:r>
           </a:p>
           <a:p>
             <a:r>
-              <a:rPr lang="en-US" dirty="0"/>
+              <a:rPr lang="en-US" sz="2000" dirty="0"/>
               <a:t>Families have higher overall mean per day </a:t>
             </a:r>
           </a:p>
           <a:p>
             <a:r>
-              <a:rPr lang="en-US" dirty="0"/>
+              <a:rPr lang="en-US" sz="2000" dirty="0"/>
               <a:t>More and larger outliers for larger average pounds per day for the family households</a:t>
             </a:r>
           </a:p>
           <a:p>
             <a:r>
-              <a:rPr lang="en-US" dirty="0"/>
+              <a:rPr lang="en-US" sz="2000" dirty="0"/>
               <a:t>Single-member households have more lower outliers for average pounds per day</a:t>
             </a:r>
           </a:p>
           <a:p>
             <a:r>
-              <a:rPr lang="en-US" dirty="0"/>
+              <a:rPr lang="en-US" sz="2000" dirty="0"/>
               <a:t>This is expected since family households have more people to feed than single households</a:t>
             </a:r>
           </a:p>
@@ -6722,7 +6740,7 @@
         </p:blipFill>
         <p:spPr>
           <a:xfrm>
-            <a:off x="5289752" y="1168711"/>
+            <a:off x="5708852" y="1359211"/>
             <a:ext cx="6095593" cy="4358347"/>
           </a:xfrm>
           <a:prstGeom prst="roundRect">
@@ -6815,8 +6833,8 @@
         </p:nvSpPr>
         <p:spPr>
           <a:xfrm>
-            <a:off x="6717278" y="1030288"/>
-            <a:ext cx="5169922" cy="1035579"/>
+            <a:off x="6094411" y="687388"/>
+            <a:ext cx="6097589" cy="1035579"/>
           </a:xfrm>
         </p:spPr>
         <p:txBody>
@@ -7013,8 +7031,8 @@
         </p:nvSpPr>
         <p:spPr>
           <a:xfrm>
-            <a:off x="6400800" y="2142067"/>
-            <a:ext cx="5791200" cy="4553201"/>
+            <a:off x="6477001" y="1841315"/>
+            <a:ext cx="5219700" cy="4553201"/>
           </a:xfrm>
         </p:spPr>
         <p:txBody>
@@ -7121,8 +7139,8 @@
         </p:nvSpPr>
         <p:spPr>
           <a:xfrm>
-            <a:off x="6717278" y="1030288"/>
-            <a:ext cx="4099947" cy="1035579"/>
+            <a:off x="5742362" y="1030288"/>
+            <a:ext cx="6449638" cy="1035579"/>
           </a:xfrm>
         </p:spPr>
         <p:txBody>
@@ -7161,7 +7179,7 @@
         </p:blipFill>
         <p:spPr>
           <a:xfrm>
-            <a:off x="1039438" y="3429000"/>
+            <a:off x="582238" y="3530600"/>
             <a:ext cx="4702924" cy="2692424"/>
           </a:xfrm>
           <a:prstGeom prst="roundRect">
@@ -7219,7 +7237,7 @@
         </p:blipFill>
         <p:spPr>
           <a:xfrm>
-            <a:off x="1039438" y="512098"/>
+            <a:off x="582238" y="613698"/>
             <a:ext cx="4702924" cy="2692424"/>
           </a:xfrm>
           <a:prstGeom prst="roundRect">
@@ -7273,8 +7291,8 @@
         </p:nvSpPr>
         <p:spPr>
           <a:xfrm>
-            <a:off x="6159042" y="1858310"/>
-            <a:ext cx="5604172" cy="4506706"/>
+            <a:off x="5742362" y="1858310"/>
+            <a:ext cx="6449638" cy="4999690"/>
           </a:xfrm>
         </p:spPr>
         <p:txBody>

--- a/project_1/scripts/BIOS611_Project1_slides.pptx
+++ b/project_1/scripts/BIOS611_Project1_slides.pptx
@@ -6497,88 +6497,88 @@
           <a:lstStyle/>
           <a:p>
             <a:r>
-              <a:rPr lang="en-US" sz="2000" dirty="0"/>
+              <a:rPr lang="en-US" dirty="0"/>
               <a:t>Only keep dates from Jan 1, 2001 to Dec 31, 2018</a:t>
             </a:r>
           </a:p>
           <a:p>
             <a:r>
-              <a:rPr lang="en-US" sz="2000" dirty="0"/>
+              <a:rPr lang="en-US" dirty="0"/>
               <a:t>DEFINE: family household if the number of people the food given that visit was provided for more than 1 person, and single household otherwise</a:t>
             </a:r>
           </a:p>
           <a:p>
             <a:r>
-              <a:rPr lang="en-US" sz="2000" dirty="0"/>
+              <a:rPr lang="en-US" dirty="0"/>
               <a:t>Complete case analysis for those without missing variables </a:t>
             </a:r>
             <a:r>
-              <a:rPr lang="en-US" sz="2000" dirty="0" err="1"/>
+              <a:rPr lang="en-US" dirty="0" err="1"/>
               <a:t>Food.Provided.for</a:t>
             </a:r>
             <a:r>
-              <a:rPr lang="en-US" sz="2000" dirty="0"/>
+              <a:rPr lang="en-US" dirty="0"/>
               <a:t> (defined as number of people the food given that visit was provided for) and </a:t>
             </a:r>
             <a:r>
-              <a:rPr lang="en-US" sz="2000" dirty="0" err="1"/>
+              <a:rPr lang="en-US" dirty="0" err="1"/>
               <a:t>Food.Pounds</a:t>
             </a:r>
             <a:r>
-              <a:rPr lang="en-US" sz="2000" dirty="0"/>
+              <a:rPr lang="en-US" dirty="0"/>
               <a:t> (defined as the number of pounds given for that visit) variables</a:t>
             </a:r>
           </a:p>
           <a:p>
             <a:r>
-              <a:rPr lang="en-US" sz="2000" dirty="0"/>
+              <a:rPr lang="en-US" dirty="0"/>
               <a:t>Further subset by only keeping observations with the same number of family members for every visit</a:t>
             </a:r>
           </a:p>
           <a:p>
             <a:pPr lvl="1"/>
             <a:r>
-              <a:rPr lang="en-US" sz="2000" dirty="0"/>
+              <a:rPr lang="en-US" sz="1800" dirty="0"/>
               <a:t>Consistency of household definition</a:t>
             </a:r>
           </a:p>
           <a:p>
             <a:r>
-              <a:rPr lang="en-US" sz="2000" dirty="0"/>
+              <a:rPr lang="en-US" dirty="0"/>
               <a:t>Remove observations who do not take food from UMD (given our questions of interest for this analysis)</a:t>
             </a:r>
           </a:p>
           <a:p>
             <a:r>
-              <a:rPr lang="en-US" sz="2000" dirty="0"/>
+              <a:rPr lang="en-US" dirty="0"/>
               <a:t>Remove outliers regarding family members and average pounds of food per day per household</a:t>
             </a:r>
           </a:p>
           <a:p>
             <a:r>
-              <a:rPr lang="en-US" sz="2000" dirty="0"/>
+              <a:rPr lang="en-US" dirty="0"/>
               <a:t>Final analysis population: </a:t>
             </a:r>
             <a:r>
-              <a:rPr lang="en-US" sz="2000" b="1" dirty="0"/>
+              <a:rPr lang="en-US" b="1" dirty="0"/>
               <a:t>7191</a:t>
             </a:r>
             <a:r>
-              <a:rPr lang="en-US" sz="2000" dirty="0"/>
+              <a:rPr lang="en-US" dirty="0"/>
               <a:t> households: 3405 single households and 3786 family households</a:t>
             </a:r>
           </a:p>
           <a:p>
             <a:r>
-              <a:rPr lang="en-US" sz="2000" dirty="0"/>
+              <a:rPr lang="en-US" dirty="0"/>
               <a:t>See Project 1 report on </a:t>
             </a:r>
             <a:r>
-              <a:rPr lang="en-US" sz="2000" dirty="0" err="1"/>
+              <a:rPr lang="en-US" dirty="0" err="1"/>
               <a:t>Github</a:t>
             </a:r>
             <a:r>
-              <a:rPr lang="en-US" sz="2000" dirty="0"/>
+              <a:rPr lang="en-US" dirty="0"/>
               <a:t> for more descriptive details on data cleaning</a:t>
             </a:r>
           </a:p>

--- a/project_1/scripts/BIOS611_Project1_slides.pptx
+++ b/project_1/scripts/BIOS611_Project1_slides.pptx
@@ -7043,13 +7043,13 @@
           <a:p>
             <a:r>
               <a:rPr lang="en-US" sz="1700" dirty="0"/>
-              <a:t>Figure 2a: distribution of total visits by household type in last 10 years</a:t>
+              <a:t>Figure 2a: distribution of total visits by household type in last 20 years</a:t>
             </a:r>
           </a:p>
           <a:p>
             <a:r>
               <a:rPr lang="en-US" sz="1700" dirty="0"/>
-              <a:t>For both household types, the overall average number of total visits in the last 10 years is low</a:t>
+              <a:t>For both household types, the overall average number of total visits in the last 20 years is low</a:t>
             </a:r>
           </a:p>
           <a:p>
